--- a/Doc/figures/sign-graph-joint.pptx
+++ b/Doc/figures/sign-graph-joint.pptx
@@ -4457,6 +4457,96 @@
                 <a:srgbClr val="FF0000"/>
               </a:solidFill>
             </a:endParaRPr>
+          </a:p>
+        </p:txBody>
+      </p:sp>
+      <p:sp>
+        <p:nvSpPr>
+          <p:cNvPr id="2" name="TextBox 1"/>
+          <p:cNvSpPr txBox="1"/>
+          <p:nvPr/>
+        </p:nvSpPr>
+        <p:spPr>
+          <a:xfrm>
+            <a:off x="663950" y="5648066"/>
+            <a:ext cx="407484" cy="369332"/>
+          </a:xfrm>
+          <a:prstGeom prst="rect">
+            <a:avLst/>
+          </a:prstGeom>
+          <a:noFill/>
+        </p:spPr>
+        <p:txBody>
+          <a:bodyPr wrap="none" rtlCol="0">
+            <a:spAutoFit/>
+          </a:bodyPr>
+          <a:lstStyle/>
+          <a:p>
+            <a:r>
+              <a:rPr lang="en-US" dirty="0" smtClean="0"/>
+              <a:t>S1</a:t>
+            </a:r>
+            <a:endParaRPr lang="en-US" dirty="0"/>
+          </a:p>
+        </p:txBody>
+      </p:sp>
+      <p:sp>
+        <p:nvSpPr>
+          <p:cNvPr id="44" name="TextBox 43"/>
+          <p:cNvSpPr txBox="1"/>
+          <p:nvPr/>
+        </p:nvSpPr>
+        <p:spPr>
+          <a:xfrm>
+            <a:off x="1954716" y="5636140"/>
+            <a:ext cx="407484" cy="369332"/>
+          </a:xfrm>
+          <a:prstGeom prst="rect">
+            <a:avLst/>
+          </a:prstGeom>
+          <a:noFill/>
+        </p:spPr>
+        <p:txBody>
+          <a:bodyPr wrap="none" rtlCol="0">
+            <a:spAutoFit/>
+          </a:bodyPr>
+          <a:lstStyle/>
+          <a:p>
+            <a:r>
+              <a:rPr lang="en-US" dirty="0" smtClean="0"/>
+              <a:t>S2</a:t>
+            </a:r>
+            <a:endParaRPr lang="en-US" dirty="0"/>
+          </a:p>
+        </p:txBody>
+      </p:sp>
+      <p:sp>
+        <p:nvSpPr>
+          <p:cNvPr id="46" name="TextBox 45"/>
+          <p:cNvSpPr txBox="1"/>
+          <p:nvPr/>
+        </p:nvSpPr>
+        <p:spPr>
+          <a:xfrm>
+            <a:off x="5232096" y="4194924"/>
+            <a:ext cx="407484" cy="369332"/>
+          </a:xfrm>
+          <a:prstGeom prst="rect">
+            <a:avLst/>
+          </a:prstGeom>
+          <a:noFill/>
+        </p:spPr>
+        <p:txBody>
+          <a:bodyPr wrap="none" rtlCol="0">
+            <a:spAutoFit/>
+          </a:bodyPr>
+          <a:lstStyle/>
+          <a:p>
+            <a:r>
+              <a:rPr lang="en-US" dirty="0" smtClean="0"/>
+              <a:t>S3</a:t>
+            </a:r>
+            <a:endParaRPr lang="en-US" dirty="0"/>
           </a:p>
         </p:txBody>
       </p:sp>

--- a/Doc/figures/sign-graph-joint.pptx
+++ b/Doc/figures/sign-graph-joint.pptx
@@ -288,7 +288,7 @@
           <a:p>
             <a:fld id="{E5037FE4-F944-46FE-89A1-2896AF2EAA2F}" type="datetimeFigureOut">
               <a:rPr lang="en-US" smtClean="0"/>
-              <a:t>7/9/2012</a:t>
+              <a:t>7/10/2012</a:t>
             </a:fld>
             <a:endParaRPr lang="en-US"/>
           </a:p>
@@ -458,7 +458,7 @@
           <a:p>
             <a:fld id="{E5037FE4-F944-46FE-89A1-2896AF2EAA2F}" type="datetimeFigureOut">
               <a:rPr lang="en-US" smtClean="0"/>
-              <a:t>7/9/2012</a:t>
+              <a:t>7/10/2012</a:t>
             </a:fld>
             <a:endParaRPr lang="en-US"/>
           </a:p>
@@ -638,7 +638,7 @@
           <a:p>
             <a:fld id="{E5037FE4-F944-46FE-89A1-2896AF2EAA2F}" type="datetimeFigureOut">
               <a:rPr lang="en-US" smtClean="0"/>
-              <a:t>7/9/2012</a:t>
+              <a:t>7/10/2012</a:t>
             </a:fld>
             <a:endParaRPr lang="en-US"/>
           </a:p>
@@ -808,7 +808,7 @@
           <a:p>
             <a:fld id="{E5037FE4-F944-46FE-89A1-2896AF2EAA2F}" type="datetimeFigureOut">
               <a:rPr lang="en-US" smtClean="0"/>
-              <a:t>7/9/2012</a:t>
+              <a:t>7/10/2012</a:t>
             </a:fld>
             <a:endParaRPr lang="en-US"/>
           </a:p>
@@ -1054,7 +1054,7 @@
           <a:p>
             <a:fld id="{E5037FE4-F944-46FE-89A1-2896AF2EAA2F}" type="datetimeFigureOut">
               <a:rPr lang="en-US" smtClean="0"/>
-              <a:t>7/9/2012</a:t>
+              <a:t>7/10/2012</a:t>
             </a:fld>
             <a:endParaRPr lang="en-US"/>
           </a:p>
@@ -1342,7 +1342,7 @@
           <a:p>
             <a:fld id="{E5037FE4-F944-46FE-89A1-2896AF2EAA2F}" type="datetimeFigureOut">
               <a:rPr lang="en-US" smtClean="0"/>
-              <a:t>7/9/2012</a:t>
+              <a:t>7/10/2012</a:t>
             </a:fld>
             <a:endParaRPr lang="en-US"/>
           </a:p>
@@ -1764,7 +1764,7 @@
           <a:p>
             <a:fld id="{E5037FE4-F944-46FE-89A1-2896AF2EAA2F}" type="datetimeFigureOut">
               <a:rPr lang="en-US" smtClean="0"/>
-              <a:t>7/9/2012</a:t>
+              <a:t>7/10/2012</a:t>
             </a:fld>
             <a:endParaRPr lang="en-US"/>
           </a:p>
@@ -1882,7 +1882,7 @@
           <a:p>
             <a:fld id="{E5037FE4-F944-46FE-89A1-2896AF2EAA2F}" type="datetimeFigureOut">
               <a:rPr lang="en-US" smtClean="0"/>
-              <a:t>7/9/2012</a:t>
+              <a:t>7/10/2012</a:t>
             </a:fld>
             <a:endParaRPr lang="en-US"/>
           </a:p>
@@ -1977,7 +1977,7 @@
           <a:p>
             <a:fld id="{E5037FE4-F944-46FE-89A1-2896AF2EAA2F}" type="datetimeFigureOut">
               <a:rPr lang="en-US" smtClean="0"/>
-              <a:t>7/9/2012</a:t>
+              <a:t>7/10/2012</a:t>
             </a:fld>
             <a:endParaRPr lang="en-US"/>
           </a:p>
@@ -2254,7 +2254,7 @@
           <a:p>
             <a:fld id="{E5037FE4-F944-46FE-89A1-2896AF2EAA2F}" type="datetimeFigureOut">
               <a:rPr lang="en-US" smtClean="0"/>
-              <a:t>7/9/2012</a:t>
+              <a:t>7/10/2012</a:t>
             </a:fld>
             <a:endParaRPr lang="en-US"/>
           </a:p>
@@ -2507,7 +2507,7 @@
           <a:p>
             <a:fld id="{E5037FE4-F944-46FE-89A1-2896AF2EAA2F}" type="datetimeFigureOut">
               <a:rPr lang="en-US" smtClean="0"/>
-              <a:t>7/9/2012</a:t>
+              <a:t>7/10/2012</a:t>
             </a:fld>
             <a:endParaRPr lang="en-US"/>
           </a:p>
@@ -2720,7 +2720,7 @@
           <a:p>
             <a:fld id="{E5037FE4-F944-46FE-89A1-2896AF2EAA2F}" type="datetimeFigureOut">
               <a:rPr lang="en-US" smtClean="0"/>
-              <a:t>7/9/2012</a:t>
+              <a:t>7/10/2012</a:t>
             </a:fld>
             <a:endParaRPr lang="en-US"/>
           </a:p>
@@ -3103,7 +3103,7 @@
         </p:nvSpPr>
         <p:spPr>
           <a:xfrm>
-            <a:off x="3064912" y="671552"/>
+            <a:off x="4855940" y="671552"/>
             <a:ext cx="516488" cy="369332"/>
           </a:xfrm>
           <a:prstGeom prst="rect">
@@ -3140,7 +3140,7 @@
         </p:nvCxnSpPr>
         <p:spPr>
           <a:xfrm flipH="1">
-            <a:off x="2102882" y="1040884"/>
+            <a:off x="3893910" y="1040884"/>
             <a:ext cx="1220274" cy="951984"/>
           </a:xfrm>
           <a:prstGeom prst="line">
@@ -3174,7 +3174,7 @@
         </p:nvCxnSpPr>
         <p:spPr>
           <a:xfrm>
-            <a:off x="3323156" y="1040884"/>
+            <a:off x="5114184" y="1040884"/>
             <a:ext cx="1065403" cy="951984"/>
           </a:xfrm>
           <a:prstGeom prst="line">
@@ -3205,7 +3205,7 @@
         </p:nvSpPr>
         <p:spPr>
           <a:xfrm>
-            <a:off x="1726016" y="1992868"/>
+            <a:off x="3517044" y="1992868"/>
             <a:ext cx="753732" cy="369332"/>
           </a:xfrm>
           <a:prstGeom prst="rect">
@@ -3239,7 +3239,7 @@
         </p:nvSpPr>
         <p:spPr>
           <a:xfrm>
-            <a:off x="3984441" y="1992868"/>
+            <a:off x="5775469" y="1992868"/>
             <a:ext cx="808235" cy="369332"/>
           </a:xfrm>
           <a:prstGeom prst="rect">
@@ -3273,7 +3273,7 @@
         </p:nvSpPr>
         <p:spPr>
           <a:xfrm>
-            <a:off x="3886200" y="1322814"/>
+            <a:off x="5677228" y="1322814"/>
             <a:ext cx="296876" cy="369332"/>
           </a:xfrm>
           <a:prstGeom prst="rect">
@@ -3303,7 +3303,7 @@
         </p:nvSpPr>
         <p:spPr>
           <a:xfrm>
-            <a:off x="2370124" y="1322814"/>
+            <a:off x="4161152" y="1322814"/>
             <a:ext cx="296876" cy="369332"/>
           </a:xfrm>
           <a:prstGeom prst="rect">
@@ -3333,7 +3333,7 @@
         </p:nvSpPr>
         <p:spPr>
           <a:xfrm>
-            <a:off x="1808338" y="2546866"/>
+            <a:off x="3599366" y="2546866"/>
             <a:ext cx="588623" cy="369332"/>
           </a:xfrm>
           <a:prstGeom prst="rect">
@@ -3366,7 +3366,7 @@
         </p:nvCxnSpPr>
         <p:spPr>
           <a:xfrm flipH="1">
-            <a:off x="1341842" y="2916198"/>
+            <a:off x="3132870" y="2916198"/>
             <a:ext cx="760808" cy="998319"/>
           </a:xfrm>
           <a:prstGeom prst="line">
@@ -3400,7 +3400,7 @@
         </p:nvCxnSpPr>
         <p:spPr>
           <a:xfrm>
-            <a:off x="2102650" y="2916198"/>
+            <a:off x="3893678" y="2916198"/>
             <a:ext cx="621131" cy="998319"/>
           </a:xfrm>
           <a:prstGeom prst="line">
@@ -3431,7 +3431,7 @@
         </p:nvSpPr>
         <p:spPr>
           <a:xfrm>
-            <a:off x="2286000" y="3914517"/>
+            <a:off x="4077028" y="3914517"/>
             <a:ext cx="875561" cy="369332"/>
           </a:xfrm>
           <a:prstGeom prst="rect">
@@ -3465,7 +3465,7 @@
         </p:nvSpPr>
         <p:spPr>
           <a:xfrm>
-            <a:off x="2370124" y="3198128"/>
+            <a:off x="4161152" y="3198128"/>
             <a:ext cx="296876" cy="369332"/>
           </a:xfrm>
           <a:prstGeom prst="rect">
@@ -3495,7 +3495,7 @@
         </p:nvSpPr>
         <p:spPr>
           <a:xfrm>
-            <a:off x="1455724" y="3198128"/>
+            <a:off x="3246752" y="3198128"/>
             <a:ext cx="296876" cy="369332"/>
           </a:xfrm>
           <a:prstGeom prst="rect">
@@ -3528,7 +3528,7 @@
         </p:nvCxnSpPr>
         <p:spPr>
           <a:xfrm flipH="1">
-            <a:off x="2102650" y="2362200"/>
+            <a:off x="3893678" y="2362200"/>
             <a:ext cx="232" cy="184666"/>
           </a:xfrm>
           <a:prstGeom prst="line">
@@ -3559,7 +3559,7 @@
         </p:nvSpPr>
         <p:spPr>
           <a:xfrm>
-            <a:off x="994150" y="3914517"/>
+            <a:off x="2785178" y="3914517"/>
             <a:ext cx="695383" cy="369332"/>
           </a:xfrm>
           <a:prstGeom prst="rect">
@@ -3592,7 +3592,7 @@
         </p:nvCxnSpPr>
         <p:spPr>
           <a:xfrm flipH="1">
-            <a:off x="511886" y="4283849"/>
+            <a:off x="2302914" y="4283849"/>
             <a:ext cx="829956" cy="999093"/>
           </a:xfrm>
           <a:prstGeom prst="line">
@@ -3626,7 +3626,7 @@
         </p:nvCxnSpPr>
         <p:spPr>
           <a:xfrm>
-            <a:off x="1341842" y="4283849"/>
+            <a:off x="3132870" y="4283849"/>
             <a:ext cx="503664" cy="999093"/>
           </a:xfrm>
           <a:prstGeom prst="line">
@@ -3657,7 +3657,7 @@
         </p:nvSpPr>
         <p:spPr>
           <a:xfrm>
-            <a:off x="109371" y="5282942"/>
+            <a:off x="1900399" y="5282942"/>
             <a:ext cx="805029" cy="369332"/>
           </a:xfrm>
           <a:prstGeom prst="rect">
@@ -3691,7 +3691,7 @@
         </p:nvSpPr>
         <p:spPr>
           <a:xfrm>
-            <a:off x="1447800" y="5282942"/>
+            <a:off x="3238828" y="5282942"/>
             <a:ext cx="795411" cy="369332"/>
           </a:xfrm>
           <a:prstGeom prst="rect">
@@ -3725,7 +3725,7 @@
         </p:nvSpPr>
         <p:spPr>
           <a:xfrm>
-            <a:off x="1608124" y="4613662"/>
+            <a:off x="3399152" y="4613662"/>
             <a:ext cx="296876" cy="369332"/>
           </a:xfrm>
           <a:prstGeom prst="rect">
@@ -3755,7 +3755,7 @@
         </p:nvSpPr>
         <p:spPr>
           <a:xfrm>
-            <a:off x="591737" y="4613662"/>
+            <a:off x="2382765" y="4613662"/>
             <a:ext cx="296876" cy="369332"/>
           </a:xfrm>
           <a:prstGeom prst="rect">
@@ -3785,7 +3785,7 @@
         </p:nvSpPr>
         <p:spPr>
           <a:xfrm>
-            <a:off x="4095732" y="2545318"/>
+            <a:off x="5886760" y="2545318"/>
             <a:ext cx="588623" cy="369332"/>
           </a:xfrm>
           <a:prstGeom prst="rect">
@@ -3818,7 +3818,7 @@
         </p:nvCxnSpPr>
         <p:spPr>
           <a:xfrm flipH="1">
-            <a:off x="3780242" y="2914650"/>
+            <a:off x="5571270" y="2914650"/>
             <a:ext cx="609802" cy="999867"/>
           </a:xfrm>
           <a:prstGeom prst="line">
@@ -3852,7 +3852,7 @@
         </p:nvCxnSpPr>
         <p:spPr>
           <a:xfrm>
-            <a:off x="4390044" y="2914650"/>
+            <a:off x="6181072" y="2914650"/>
             <a:ext cx="772137" cy="999867"/>
           </a:xfrm>
           <a:prstGeom prst="line">
@@ -3883,7 +3883,7 @@
         </p:nvSpPr>
         <p:spPr>
           <a:xfrm>
-            <a:off x="4724400" y="3914517"/>
+            <a:off x="6515428" y="3914517"/>
             <a:ext cx="875561" cy="369332"/>
           </a:xfrm>
           <a:prstGeom prst="rect">
@@ -3917,7 +3917,7 @@
         </p:nvSpPr>
         <p:spPr>
           <a:xfrm>
-            <a:off x="4771238" y="3196580"/>
+            <a:off x="6562266" y="3196580"/>
             <a:ext cx="296876" cy="369332"/>
           </a:xfrm>
           <a:prstGeom prst="rect">
@@ -3947,7 +3947,7 @@
         </p:nvSpPr>
         <p:spPr>
           <a:xfrm>
-            <a:off x="3894124" y="3196580"/>
+            <a:off x="5685152" y="3196580"/>
             <a:ext cx="296876" cy="369332"/>
           </a:xfrm>
           <a:prstGeom prst="rect">
@@ -3980,7 +3980,7 @@
         </p:nvCxnSpPr>
         <p:spPr>
           <a:xfrm>
-            <a:off x="4388559" y="2362200"/>
+            <a:off x="6179587" y="2362200"/>
             <a:ext cx="1485" cy="183118"/>
           </a:xfrm>
           <a:prstGeom prst="line">
@@ -4011,7 +4011,7 @@
         </p:nvSpPr>
         <p:spPr>
           <a:xfrm>
-            <a:off x="3432550" y="3914517"/>
+            <a:off x="5223578" y="3914517"/>
             <a:ext cx="695383" cy="369332"/>
           </a:xfrm>
           <a:prstGeom prst="rect">
@@ -4044,7 +4044,7 @@
         </p:nvCxnSpPr>
         <p:spPr>
           <a:xfrm flipH="1">
-            <a:off x="2950286" y="4283849"/>
+            <a:off x="4741314" y="4283849"/>
             <a:ext cx="829956" cy="999093"/>
           </a:xfrm>
           <a:prstGeom prst="line">
@@ -4078,7 +4078,7 @@
         </p:nvCxnSpPr>
         <p:spPr>
           <a:xfrm>
-            <a:off x="3780242" y="4283849"/>
+            <a:off x="5571270" y="4283849"/>
             <a:ext cx="503664" cy="999093"/>
           </a:xfrm>
           <a:prstGeom prst="line">
@@ -4109,7 +4109,7 @@
         </p:nvSpPr>
         <p:spPr>
           <a:xfrm>
-            <a:off x="2547771" y="5282942"/>
+            <a:off x="4338799" y="5282942"/>
             <a:ext cx="805029" cy="369332"/>
           </a:xfrm>
           <a:prstGeom prst="rect">
@@ -4143,7 +4143,7 @@
         </p:nvSpPr>
         <p:spPr>
           <a:xfrm>
-            <a:off x="3886200" y="5282942"/>
+            <a:off x="5677228" y="5282942"/>
             <a:ext cx="795411" cy="369332"/>
           </a:xfrm>
           <a:prstGeom prst="rect">
@@ -4177,7 +4177,7 @@
         </p:nvSpPr>
         <p:spPr>
           <a:xfrm>
-            <a:off x="4046524" y="4612114"/>
+            <a:off x="5837552" y="4612114"/>
             <a:ext cx="296876" cy="369332"/>
           </a:xfrm>
           <a:prstGeom prst="rect">
@@ -4207,7 +4207,7 @@
         </p:nvSpPr>
         <p:spPr>
           <a:xfrm>
-            <a:off x="3030137" y="4612114"/>
+            <a:off x="4821165" y="4612114"/>
             <a:ext cx="296876" cy="369332"/>
           </a:xfrm>
           <a:prstGeom prst="rect">
@@ -4237,7 +4237,7 @@
         </p:nvSpPr>
         <p:spPr>
           <a:xfrm>
-            <a:off x="4132890" y="5648066"/>
+            <a:off x="5923918" y="5648066"/>
             <a:ext cx="380232" cy="461665"/>
           </a:xfrm>
           <a:prstGeom prst="rect">
@@ -4276,7 +4276,7 @@
         </p:nvSpPr>
         <p:spPr>
           <a:xfrm>
-            <a:off x="4919676" y="4148758"/>
+            <a:off x="6710704" y="4148758"/>
             <a:ext cx="426720" cy="461665"/>
           </a:xfrm>
           <a:prstGeom prst="rect">
@@ -4314,7 +4314,7 @@
         </p:nvSpPr>
         <p:spPr>
           <a:xfrm>
-            <a:off x="1632146" y="5648066"/>
+            <a:off x="3423174" y="5648066"/>
             <a:ext cx="426720" cy="461665"/>
           </a:xfrm>
           <a:prstGeom prst="rect">
@@ -4352,7 +4352,7 @@
         </p:nvSpPr>
         <p:spPr>
           <a:xfrm>
-            <a:off x="2752755" y="5648066"/>
+            <a:off x="4543783" y="5648066"/>
             <a:ext cx="380232" cy="461665"/>
           </a:xfrm>
           <a:prstGeom prst="rect">
@@ -4391,7 +4391,7 @@
         </p:nvSpPr>
         <p:spPr>
           <a:xfrm>
-            <a:off x="298525" y="5648066"/>
+            <a:off x="2089553" y="5648066"/>
             <a:ext cx="426720" cy="461665"/>
           </a:xfrm>
           <a:prstGeom prst="rect">
@@ -4429,7 +4429,7 @@
         </p:nvSpPr>
         <p:spPr>
           <a:xfrm>
-            <a:off x="2499332" y="4148758"/>
+            <a:off x="4290360" y="4148758"/>
             <a:ext cx="380232" cy="461665"/>
           </a:xfrm>
           <a:prstGeom prst="rect">
@@ -4462,14 +4462,14 @@
       </p:sp>
       <p:sp>
         <p:nvSpPr>
-          <p:cNvPr id="2" name="TextBox 1"/>
+          <p:cNvPr id="46" name="TextBox 45"/>
           <p:cNvSpPr txBox="1"/>
           <p:nvPr/>
         </p:nvSpPr>
         <p:spPr>
           <a:xfrm>
-            <a:off x="663950" y="5648066"/>
-            <a:ext cx="407484" cy="369332"/>
+            <a:off x="6295887" y="4421252"/>
+            <a:ext cx="2771913" cy="400110"/>
           </a:xfrm>
           <a:prstGeom prst="rect">
             <a:avLst/>
@@ -4483,23 +4483,51 @@
           <a:lstStyle/>
           <a:p>
             <a:r>
-              <a:rPr lang="en-US" dirty="0" smtClean="0"/>
-              <a:t>S1</a:t>
-            </a:r>
-            <a:endParaRPr lang="en-US" dirty="0"/>
-          </a:p>
-        </p:txBody>
-      </p:sp>
-      <p:sp>
-        <p:nvSpPr>
-          <p:cNvPr id="44" name="TextBox 43"/>
+              <a:rPr lang="en-US" sz="2000" b="1" dirty="0" smtClean="0"/>
+              <a:t>S</a:t>
+            </a:r>
+            <a:r>
+              <a:rPr lang="en-US" sz="2000" b="1" baseline="-25000" dirty="0" smtClean="0"/>
+              <a:t>3</a:t>
+            </a:r>
+            <a:r>
+              <a:rPr lang="en-US" sz="2000" i="1" dirty="0"/>
+              <a:t> </a:t>
+            </a:r>
+            <a:r>
+              <a:rPr lang="en-US" sz="2000" i="1" dirty="0" smtClean="0"/>
+              <a:t>= {x=x&lt;0,sgn= </a:t>
+            </a:r>
+            <a:r>
+              <a:rPr lang="en-US" sz="2000" i="1" dirty="0" err="1" smtClean="0"/>
+              <a:t>sgn</a:t>
+            </a:r>
+            <a:r>
+              <a:rPr lang="en-US" sz="2000" i="1" dirty="0" smtClean="0"/>
+              <a:t>’=-</a:t>
+            </a:r>
+            <a:r>
+              <a:rPr lang="en-US" sz="2000" i="1" dirty="0"/>
+              <a:t>1</a:t>
+            </a:r>
+            <a:r>
+              <a:rPr lang="en-US" sz="2000" i="1" dirty="0" smtClean="0"/>
+              <a:t>}</a:t>
+            </a:r>
+            <a:endParaRPr lang="en-US" sz="2000" i="1" dirty="0"/>
+          </a:p>
+        </p:txBody>
+      </p:sp>
+      <p:sp>
+        <p:nvSpPr>
+          <p:cNvPr id="3" name="TextBox 2"/>
           <p:cNvSpPr txBox="1"/>
           <p:nvPr/>
         </p:nvSpPr>
         <p:spPr>
           <a:xfrm>
-            <a:off x="1954716" y="5636140"/>
-            <a:ext cx="407484" cy="369332"/>
+            <a:off x="4790526" y="350878"/>
+            <a:ext cx="706604" cy="369332"/>
           </a:xfrm>
           <a:prstGeom prst="rect">
             <a:avLst/>
@@ -4513,23 +4541,23 @@
           <a:lstStyle/>
           <a:p>
             <a:r>
-              <a:rPr lang="en-US" dirty="0" smtClean="0"/>
-              <a:t>S2</a:t>
-            </a:r>
-            <a:endParaRPr lang="en-US" dirty="0"/>
-          </a:p>
-        </p:txBody>
-      </p:sp>
-      <p:sp>
-        <p:nvSpPr>
-          <p:cNvPr id="46" name="TextBox 45"/>
+              <a:rPr lang="en-US" i="1" dirty="0" smtClean="0"/>
+              <a:t>{x=x’}</a:t>
+            </a:r>
+            <a:endParaRPr lang="en-US" i="1" dirty="0"/>
+          </a:p>
+        </p:txBody>
+      </p:sp>
+      <p:sp>
+        <p:nvSpPr>
+          <p:cNvPr id="47" name="TextBox 46"/>
           <p:cNvSpPr txBox="1"/>
           <p:nvPr/>
         </p:nvSpPr>
         <p:spPr>
           <a:xfrm>
-            <a:off x="5232096" y="4194924"/>
-            <a:ext cx="407484" cy="369332"/>
+            <a:off x="6008535" y="1322814"/>
+            <a:ext cx="875561" cy="369332"/>
           </a:xfrm>
           <a:prstGeom prst="rect">
             <a:avLst/>
@@ -4543,10 +4571,297 @@
           <a:lstStyle/>
           <a:p>
             <a:r>
-              <a:rPr lang="en-US" dirty="0" smtClean="0"/>
-              <a:t>S3</a:t>
-            </a:r>
-            <a:endParaRPr lang="en-US" dirty="0"/>
+              <a:rPr lang="en-US" i="1" dirty="0" smtClean="0"/>
+              <a:t>{x=x&lt;0}</a:t>
+            </a:r>
+            <a:endParaRPr lang="en-US" i="1" dirty="0"/>
+          </a:p>
+        </p:txBody>
+      </p:sp>
+      <p:sp>
+        <p:nvSpPr>
+          <p:cNvPr id="48" name="TextBox 47"/>
+          <p:cNvSpPr txBox="1"/>
+          <p:nvPr/>
+        </p:nvSpPr>
+        <p:spPr>
+          <a:xfrm>
+            <a:off x="6324600" y="2209800"/>
+            <a:ext cx="1563248" cy="369332"/>
+          </a:xfrm>
+          <a:prstGeom prst="rect">
+            <a:avLst/>
+          </a:prstGeom>
+          <a:noFill/>
+        </p:spPr>
+        <p:txBody>
+          <a:bodyPr wrap="none" rtlCol="0">
+            <a:spAutoFit/>
+          </a:bodyPr>
+          <a:lstStyle/>
+          <a:p>
+            <a:r>
+              <a:rPr lang="en-US" i="1" dirty="0" smtClean="0"/>
+              <a:t>{x=x&lt;0,sgn=-1}</a:t>
+            </a:r>
+            <a:endParaRPr lang="en-US" i="1" dirty="0"/>
+          </a:p>
+        </p:txBody>
+      </p:sp>
+      <p:sp>
+        <p:nvSpPr>
+          <p:cNvPr id="49" name="TextBox 48"/>
+          <p:cNvSpPr txBox="1"/>
+          <p:nvPr/>
+        </p:nvSpPr>
+        <p:spPr>
+          <a:xfrm>
+            <a:off x="6781800" y="3198128"/>
+            <a:ext cx="1563248" cy="369332"/>
+          </a:xfrm>
+          <a:prstGeom prst="rect">
+            <a:avLst/>
+          </a:prstGeom>
+          <a:noFill/>
+        </p:spPr>
+        <p:txBody>
+          <a:bodyPr wrap="none" rtlCol="0">
+            <a:spAutoFit/>
+          </a:bodyPr>
+          <a:lstStyle/>
+          <a:p>
+            <a:r>
+              <a:rPr lang="en-US" i="1" dirty="0" smtClean="0"/>
+              <a:t>{x=x&lt;0,sgn=-1}</a:t>
+            </a:r>
+            <a:endParaRPr lang="en-US" i="1" dirty="0"/>
+          </a:p>
+        </p:txBody>
+      </p:sp>
+      <p:sp>
+        <p:nvSpPr>
+          <p:cNvPr id="51" name="TextBox 50"/>
+          <p:cNvSpPr txBox="1"/>
+          <p:nvPr/>
+        </p:nvSpPr>
+        <p:spPr>
+          <a:xfrm>
+            <a:off x="3198752" y="1322814"/>
+            <a:ext cx="875561" cy="369332"/>
+          </a:xfrm>
+          <a:prstGeom prst="rect">
+            <a:avLst/>
+          </a:prstGeom>
+          <a:noFill/>
+        </p:spPr>
+        <p:txBody>
+          <a:bodyPr wrap="none" rtlCol="0">
+            <a:spAutoFit/>
+          </a:bodyPr>
+          <a:lstStyle/>
+          <a:p>
+            <a:r>
+              <a:rPr lang="en-US" i="1" dirty="0" smtClean="0"/>
+              <a:t>{x=x≥0}</a:t>
+            </a:r>
+            <a:endParaRPr lang="en-US" i="1" dirty="0"/>
+          </a:p>
+        </p:txBody>
+      </p:sp>
+      <p:sp>
+        <p:nvSpPr>
+          <p:cNvPr id="52" name="TextBox 51"/>
+          <p:cNvSpPr txBox="1"/>
+          <p:nvPr/>
+        </p:nvSpPr>
+        <p:spPr>
+          <a:xfrm>
+            <a:off x="2209800" y="2269867"/>
+            <a:ext cx="1545616" cy="369332"/>
+          </a:xfrm>
+          <a:prstGeom prst="rect">
+            <a:avLst/>
+          </a:prstGeom>
+          <a:noFill/>
+        </p:spPr>
+        <p:txBody>
+          <a:bodyPr wrap="none" rtlCol="0">
+            <a:spAutoFit/>
+          </a:bodyPr>
+          <a:lstStyle/>
+          <a:p>
+            <a:r>
+              <a:rPr lang="en-US" i="1" dirty="0" smtClean="0"/>
+              <a:t>{x=x≥0, </a:t>
+            </a:r>
+            <a:r>
+              <a:rPr lang="en-US" i="1" dirty="0" err="1" smtClean="0"/>
+              <a:t>sgn</a:t>
+            </a:r>
+            <a:r>
+              <a:rPr lang="en-US" i="1" dirty="0" smtClean="0"/>
+              <a:t>=1}</a:t>
+            </a:r>
+            <a:endParaRPr lang="en-US" i="1" dirty="0"/>
+          </a:p>
+        </p:txBody>
+      </p:sp>
+      <p:sp>
+        <p:nvSpPr>
+          <p:cNvPr id="53" name="TextBox 52"/>
+          <p:cNvSpPr txBox="1"/>
+          <p:nvPr/>
+        </p:nvSpPr>
+        <p:spPr>
+          <a:xfrm>
+            <a:off x="1758395" y="3230691"/>
+            <a:ext cx="1545616" cy="369332"/>
+          </a:xfrm>
+          <a:prstGeom prst="rect">
+            <a:avLst/>
+          </a:prstGeom>
+          <a:noFill/>
+        </p:spPr>
+        <p:txBody>
+          <a:bodyPr wrap="none" rtlCol="0">
+            <a:spAutoFit/>
+          </a:bodyPr>
+          <a:lstStyle/>
+          <a:p>
+            <a:r>
+              <a:rPr lang="en-US" i="1" dirty="0" smtClean="0"/>
+              <a:t>{x=x≥0, </a:t>
+            </a:r>
+            <a:r>
+              <a:rPr lang="en-US" i="1" dirty="0" err="1" smtClean="0"/>
+              <a:t>sgn</a:t>
+            </a:r>
+            <a:r>
+              <a:rPr lang="en-US" i="1" dirty="0" smtClean="0"/>
+              <a:t>=1}</a:t>
+            </a:r>
+            <a:endParaRPr lang="en-US" i="1" dirty="0"/>
+          </a:p>
+        </p:txBody>
+      </p:sp>
+      <p:sp>
+        <p:nvSpPr>
+          <p:cNvPr id="54" name="TextBox 53"/>
+          <p:cNvSpPr txBox="1"/>
+          <p:nvPr/>
+        </p:nvSpPr>
+        <p:spPr>
+          <a:xfrm>
+            <a:off x="2878623" y="5678269"/>
+            <a:ext cx="2379177" cy="646331"/>
+          </a:xfrm>
+          <a:prstGeom prst="rect">
+            <a:avLst/>
+          </a:prstGeom>
+          <a:noFill/>
+        </p:spPr>
+        <p:txBody>
+          <a:bodyPr wrap="none" rtlCol="0">
+            <a:spAutoFit/>
+          </a:bodyPr>
+          <a:lstStyle/>
+          <a:p>
+            <a:pPr algn="ctr"/>
+            <a:r>
+              <a:rPr lang="en-US" b="1" dirty="0" smtClean="0"/>
+              <a:t>S</a:t>
+            </a:r>
+            <a:r>
+              <a:rPr lang="en-US" b="1" baseline="-25000" dirty="0" smtClean="0"/>
+              <a:t>2</a:t>
+            </a:r>
+            <a:endParaRPr lang="en-US" i="1" dirty="0" smtClean="0"/>
+          </a:p>
+          <a:p>
+            <a:r>
+              <a:rPr lang="en-US" i="1" dirty="0" smtClean="0"/>
+              <a:t>{x=x=0, </a:t>
+            </a:r>
+            <a:r>
+              <a:rPr lang="en-US" i="1" dirty="0" err="1" smtClean="0"/>
+              <a:t>sgn</a:t>
+            </a:r>
+            <a:r>
+              <a:rPr lang="en-US" i="1" dirty="0" smtClean="0"/>
+              <a:t>’ = 0, </a:t>
+            </a:r>
+            <a:r>
+              <a:rPr lang="en-US" i="1" dirty="0" err="1" smtClean="0"/>
+              <a:t>sgn</a:t>
+            </a:r>
+            <a:r>
+              <a:rPr lang="en-US" i="1" dirty="0" smtClean="0"/>
+              <a:t>=1}</a:t>
+            </a:r>
+            <a:endParaRPr lang="en-US" i="1" dirty="0"/>
+          </a:p>
+        </p:txBody>
+      </p:sp>
+      <p:sp>
+        <p:nvSpPr>
+          <p:cNvPr id="55" name="TextBox 54"/>
+          <p:cNvSpPr txBox="1"/>
+          <p:nvPr/>
+        </p:nvSpPr>
+        <p:spPr>
+          <a:xfrm>
+            <a:off x="820249" y="5678269"/>
+            <a:ext cx="2151551" cy="646331"/>
+          </a:xfrm>
+          <a:prstGeom prst="rect">
+            <a:avLst/>
+          </a:prstGeom>
+          <a:noFill/>
+        </p:spPr>
+        <p:txBody>
+          <a:bodyPr wrap="none" rtlCol="0">
+            <a:spAutoFit/>
+          </a:bodyPr>
+          <a:lstStyle/>
+          <a:p>
+            <a:pPr algn="ctr"/>
+            <a:r>
+              <a:rPr lang="en-US" b="1" dirty="0"/>
+              <a:t>S</a:t>
+            </a:r>
+            <a:r>
+              <a:rPr lang="en-US" b="1" baseline="-25000" dirty="0"/>
+              <a:t>1</a:t>
+            </a:r>
+            <a:r>
+              <a:rPr lang="en-US" i="1" dirty="0"/>
+              <a:t> </a:t>
+            </a:r>
+            <a:endParaRPr lang="en-US" i="1" dirty="0" smtClean="0"/>
+          </a:p>
+          <a:p>
+            <a:pPr algn="ctr"/>
+            <a:r>
+              <a:rPr lang="en-US" i="1" dirty="0" smtClean="0"/>
+              <a:t>{x=x&gt;0, </a:t>
+            </a:r>
+            <a:r>
+              <a:rPr lang="en-US" i="1" dirty="0" err="1" smtClean="0"/>
+              <a:t>sgn</a:t>
+            </a:r>
+            <a:r>
+              <a:rPr lang="en-US" i="1" dirty="0" smtClean="0"/>
+              <a:t>’ = </a:t>
+            </a:r>
+            <a:r>
+              <a:rPr lang="en-US" i="1" dirty="0" err="1" smtClean="0"/>
+              <a:t>sgn</a:t>
+            </a:r>
+            <a:r>
+              <a:rPr lang="en-US" i="1" dirty="0" smtClean="0"/>
+              <a:t>=1}</a:t>
+            </a:r>
+            <a:endParaRPr lang="en-US" i="1" dirty="0"/>
           </a:p>
         </p:txBody>
       </p:sp>

--- a/Doc/figures/sign-graph-joint.pptx
+++ b/Doc/figures/sign-graph-joint.pptx
@@ -4862,6 +4862,134 @@
               <a:t>=1}</a:t>
             </a:r>
             <a:endParaRPr lang="en-US" i="1" dirty="0"/>
+          </a:p>
+        </p:txBody>
+      </p:sp>
+      <p:sp>
+        <p:nvSpPr>
+          <p:cNvPr id="56" name="TextBox 55"/>
+          <p:cNvSpPr txBox="1"/>
+          <p:nvPr/>
+        </p:nvSpPr>
+        <p:spPr>
+          <a:xfrm>
+            <a:off x="5223578" y="3238541"/>
+            <a:ext cx="404278" cy="461665"/>
+          </a:xfrm>
+          <a:prstGeom prst="rect">
+            <a:avLst/>
+          </a:prstGeom>
+          <a:noFill/>
+        </p:spPr>
+        <p:txBody>
+          <a:bodyPr wrap="none" rtlCol="0">
+            <a:spAutoFit/>
+          </a:bodyPr>
+          <a:lstStyle/>
+          <a:p>
+            <a:r>
+              <a:rPr lang="en-US" sz="2400" b="1" dirty="0" smtClean="0">
+                <a:sym typeface="Zed"/>
+              </a:rPr>
+              <a:t></a:t>
+            </a:r>
+            <a:endParaRPr lang="en-US" b="1" dirty="0"/>
+          </a:p>
+        </p:txBody>
+      </p:sp>
+      <p:sp>
+        <p:nvSpPr>
+          <p:cNvPr id="57" name="TextBox 56"/>
+          <p:cNvSpPr txBox="1"/>
+          <p:nvPr/>
+        </p:nvSpPr>
+        <p:spPr>
+          <a:xfrm>
+            <a:off x="6365001" y="5558135"/>
+            <a:ext cx="404278" cy="461665"/>
+          </a:xfrm>
+          <a:prstGeom prst="rect">
+            <a:avLst/>
+          </a:prstGeom>
+          <a:noFill/>
+        </p:spPr>
+        <p:txBody>
+          <a:bodyPr wrap="none" rtlCol="0">
+            <a:spAutoFit/>
+          </a:bodyPr>
+          <a:lstStyle/>
+          <a:p>
+            <a:r>
+              <a:rPr lang="en-US" sz="2400" b="1" dirty="0" smtClean="0">
+                <a:sym typeface="Zed"/>
+              </a:rPr>
+              <a:t></a:t>
+            </a:r>
+            <a:endParaRPr lang="en-US" b="1" dirty="0"/>
+          </a:p>
+        </p:txBody>
+      </p:sp>
+      <p:sp>
+        <p:nvSpPr>
+          <p:cNvPr id="58" name="TextBox 57"/>
+          <p:cNvSpPr txBox="1"/>
+          <p:nvPr/>
+        </p:nvSpPr>
+        <p:spPr>
+          <a:xfrm>
+            <a:off x="4912045" y="5539769"/>
+            <a:ext cx="404278" cy="461665"/>
+          </a:xfrm>
+          <a:prstGeom prst="rect">
+            <a:avLst/>
+          </a:prstGeom>
+          <a:noFill/>
+        </p:spPr>
+        <p:txBody>
+          <a:bodyPr wrap="none" rtlCol="0">
+            <a:spAutoFit/>
+          </a:bodyPr>
+          <a:lstStyle/>
+          <a:p>
+            <a:r>
+              <a:rPr lang="en-US" sz="2400" b="1" dirty="0" smtClean="0">
+                <a:sym typeface="Zed"/>
+              </a:rPr>
+              <a:t></a:t>
+            </a:r>
+            <a:endParaRPr lang="en-US" b="1" dirty="0"/>
+          </a:p>
+        </p:txBody>
+      </p:sp>
+      <p:sp>
+        <p:nvSpPr>
+          <p:cNvPr id="59" name="TextBox 58"/>
+          <p:cNvSpPr txBox="1"/>
+          <p:nvPr/>
+        </p:nvSpPr>
+        <p:spPr>
+          <a:xfrm>
+            <a:off x="4498160" y="3243130"/>
+            <a:ext cx="404278" cy="461665"/>
+          </a:xfrm>
+          <a:prstGeom prst="rect">
+            <a:avLst/>
+          </a:prstGeom>
+          <a:noFill/>
+        </p:spPr>
+        <p:txBody>
+          <a:bodyPr wrap="none" rtlCol="0">
+            <a:spAutoFit/>
+          </a:bodyPr>
+          <a:lstStyle/>
+          <a:p>
+            <a:r>
+              <a:rPr lang="en-US" sz="2400" b="1" dirty="0" smtClean="0">
+                <a:sym typeface="Zed"/>
+              </a:rPr>
+              <a:t></a:t>
+            </a:r>
+            <a:endParaRPr lang="en-US" b="1" dirty="0"/>
           </a:p>
         </p:txBody>
       </p:sp>

--- a/Doc/figures/sign-graph-joint.pptx
+++ b/Doc/figures/sign-graph-joint.pptx
@@ -288,7 +288,7 @@
           <a:p>
             <a:fld id="{E5037FE4-F944-46FE-89A1-2896AF2EAA2F}" type="datetimeFigureOut">
               <a:rPr lang="en-US" smtClean="0"/>
-              <a:t>7/10/2012</a:t>
+              <a:t>7/11/2012</a:t>
             </a:fld>
             <a:endParaRPr lang="en-US"/>
           </a:p>
@@ -458,7 +458,7 @@
           <a:p>
             <a:fld id="{E5037FE4-F944-46FE-89A1-2896AF2EAA2F}" type="datetimeFigureOut">
               <a:rPr lang="en-US" smtClean="0"/>
-              <a:t>7/10/2012</a:t>
+              <a:t>7/11/2012</a:t>
             </a:fld>
             <a:endParaRPr lang="en-US"/>
           </a:p>
@@ -638,7 +638,7 @@
           <a:p>
             <a:fld id="{E5037FE4-F944-46FE-89A1-2896AF2EAA2F}" type="datetimeFigureOut">
               <a:rPr lang="en-US" smtClean="0"/>
-              <a:t>7/10/2012</a:t>
+              <a:t>7/11/2012</a:t>
             </a:fld>
             <a:endParaRPr lang="en-US"/>
           </a:p>
@@ -808,7 +808,7 @@
           <a:p>
             <a:fld id="{E5037FE4-F944-46FE-89A1-2896AF2EAA2F}" type="datetimeFigureOut">
               <a:rPr lang="en-US" smtClean="0"/>
-              <a:t>7/10/2012</a:t>
+              <a:t>7/11/2012</a:t>
             </a:fld>
             <a:endParaRPr lang="en-US"/>
           </a:p>
@@ -1054,7 +1054,7 @@
           <a:p>
             <a:fld id="{E5037FE4-F944-46FE-89A1-2896AF2EAA2F}" type="datetimeFigureOut">
               <a:rPr lang="en-US" smtClean="0"/>
-              <a:t>7/10/2012</a:t>
+              <a:t>7/11/2012</a:t>
             </a:fld>
             <a:endParaRPr lang="en-US"/>
           </a:p>
@@ -1342,7 +1342,7 @@
           <a:p>
             <a:fld id="{E5037FE4-F944-46FE-89A1-2896AF2EAA2F}" type="datetimeFigureOut">
               <a:rPr lang="en-US" smtClean="0"/>
-              <a:t>7/10/2012</a:t>
+              <a:t>7/11/2012</a:t>
             </a:fld>
             <a:endParaRPr lang="en-US"/>
           </a:p>
@@ -1764,7 +1764,7 @@
           <a:p>
             <a:fld id="{E5037FE4-F944-46FE-89A1-2896AF2EAA2F}" type="datetimeFigureOut">
               <a:rPr lang="en-US" smtClean="0"/>
-              <a:t>7/10/2012</a:t>
+              <a:t>7/11/2012</a:t>
             </a:fld>
             <a:endParaRPr lang="en-US"/>
           </a:p>
@@ -1882,7 +1882,7 @@
           <a:p>
             <a:fld id="{E5037FE4-F944-46FE-89A1-2896AF2EAA2F}" type="datetimeFigureOut">
               <a:rPr lang="en-US" smtClean="0"/>
-              <a:t>7/10/2012</a:t>
+              <a:t>7/11/2012</a:t>
             </a:fld>
             <a:endParaRPr lang="en-US"/>
           </a:p>
@@ -1977,7 +1977,7 @@
           <a:p>
             <a:fld id="{E5037FE4-F944-46FE-89A1-2896AF2EAA2F}" type="datetimeFigureOut">
               <a:rPr lang="en-US" smtClean="0"/>
-              <a:t>7/10/2012</a:t>
+              <a:t>7/11/2012</a:t>
             </a:fld>
             <a:endParaRPr lang="en-US"/>
           </a:p>
@@ -2254,7 +2254,7 @@
           <a:p>
             <a:fld id="{E5037FE4-F944-46FE-89A1-2896AF2EAA2F}" type="datetimeFigureOut">
               <a:rPr lang="en-US" smtClean="0"/>
-              <a:t>7/10/2012</a:t>
+              <a:t>7/11/2012</a:t>
             </a:fld>
             <a:endParaRPr lang="en-US"/>
           </a:p>
@@ -2507,7 +2507,7 @@
           <a:p>
             <a:fld id="{E5037FE4-F944-46FE-89A1-2896AF2EAA2F}" type="datetimeFigureOut">
               <a:rPr lang="en-US" smtClean="0"/>
-              <a:t>7/10/2012</a:t>
+              <a:t>7/11/2012</a:t>
             </a:fld>
             <a:endParaRPr lang="en-US"/>
           </a:p>
@@ -2720,7 +2720,7 @@
           <a:p>
             <a:fld id="{E5037FE4-F944-46FE-89A1-2896AF2EAA2F}" type="datetimeFigureOut">
               <a:rPr lang="en-US" smtClean="0"/>
-              <a:t>7/10/2012</a:t>
+              <a:t>7/11/2012</a:t>
             </a:fld>
             <a:endParaRPr lang="en-US"/>
           </a:p>
@@ -4177,7 +4177,7 @@
         </p:nvSpPr>
         <p:spPr>
           <a:xfrm>
-            <a:off x="5837552" y="4612114"/>
+            <a:off x="5697784" y="4376970"/>
             <a:ext cx="296876" cy="369332"/>
           </a:xfrm>
           <a:prstGeom prst="rect">
@@ -4207,7 +4207,7 @@
         </p:nvSpPr>
         <p:spPr>
           <a:xfrm>
-            <a:off x="4821165" y="4612114"/>
+            <a:off x="5007854" y="4376970"/>
             <a:ext cx="296876" cy="369332"/>
           </a:xfrm>
           <a:prstGeom prst="rect">
@@ -4468,8 +4468,8 @@
         </p:nvSpPr>
         <p:spPr>
           <a:xfrm>
-            <a:off x="6295887" y="4421252"/>
-            <a:ext cx="2771913" cy="400110"/>
+            <a:off x="6148411" y="4421252"/>
+            <a:ext cx="2919389" cy="400110"/>
           </a:xfrm>
           <a:prstGeom prst="rect">
             <a:avLst/>
@@ -4483,20 +4483,18 @@
           <a:lstStyle/>
           <a:p>
             <a:r>
-              <a:rPr lang="en-US" sz="2000" b="1" dirty="0" smtClean="0"/>
-              <a:t>S</a:t>
+              <a:rPr lang="en-US" sz="2000" b="1" dirty="0" smtClean="0">
+                <a:sym typeface="Math A"/>
+              </a:rPr>
+              <a:t></a:t>
             </a:r>
             <a:r>
               <a:rPr lang="en-US" sz="2000" b="1" baseline="-25000" dirty="0" smtClean="0"/>
-              <a:t>3</a:t>
-            </a:r>
-            <a:r>
-              <a:rPr lang="en-US" sz="2000" i="1" dirty="0"/>
-              <a:t> </a:t>
+              <a:t>1</a:t>
             </a:r>
             <a:r>
               <a:rPr lang="en-US" sz="2000" i="1" dirty="0" smtClean="0"/>
-              <a:t>= {x=x&lt;0,sgn= </a:t>
+              <a:t> = {x=x’&lt;0,sgn= </a:t>
             </a:r>
             <a:r>
               <a:rPr lang="en-US" sz="2000" i="1" dirty="0" err="1" smtClean="0"/>
@@ -4557,7 +4555,7 @@
         <p:spPr>
           <a:xfrm>
             <a:off x="6008535" y="1322814"/>
-            <a:ext cx="875561" cy="369332"/>
+            <a:ext cx="938911" cy="369332"/>
           </a:xfrm>
           <a:prstGeom prst="rect">
             <a:avLst/>
@@ -4572,7 +4570,7 @@
           <a:p>
             <a:r>
               <a:rPr lang="en-US" i="1" dirty="0" smtClean="0"/>
-              <a:t>{x=x&lt;0}</a:t>
+              <a:t>{x=x’&lt;0}</a:t>
             </a:r>
             <a:endParaRPr lang="en-US" i="1" dirty="0"/>
           </a:p>
@@ -4587,7 +4585,7 @@
         <p:spPr>
           <a:xfrm>
             <a:off x="6324600" y="2209800"/>
-            <a:ext cx="1563248" cy="369332"/>
+            <a:ext cx="1614545" cy="369332"/>
           </a:xfrm>
           <a:prstGeom prst="rect">
             <a:avLst/>
@@ -4602,7 +4600,7 @@
           <a:p>
             <a:r>
               <a:rPr lang="en-US" i="1" dirty="0" smtClean="0"/>
-              <a:t>{x=x&lt;0,sgn=-1}</a:t>
+              <a:t>{x=x’&lt;0,sgn=-1}</a:t>
             </a:r>
             <a:endParaRPr lang="en-US" i="1" dirty="0"/>
           </a:p>
@@ -4617,7 +4615,7 @@
         <p:spPr>
           <a:xfrm>
             <a:off x="6781800" y="3198128"/>
-            <a:ext cx="1563248" cy="369332"/>
+            <a:ext cx="1614545" cy="369332"/>
           </a:xfrm>
           <a:prstGeom prst="rect">
             <a:avLst/>
@@ -4632,7 +4630,7 @@
           <a:p>
             <a:r>
               <a:rPr lang="en-US" i="1" dirty="0" smtClean="0"/>
-              <a:t>{x=x&lt;0,sgn=-1}</a:t>
+              <a:t>{x=x’&lt;0,sgn=-1}</a:t>
             </a:r>
             <a:endParaRPr lang="en-US" i="1" dirty="0"/>
           </a:p>
@@ -4647,7 +4645,7 @@
         <p:spPr>
           <a:xfrm>
             <a:off x="3198752" y="1322814"/>
-            <a:ext cx="875561" cy="369332"/>
+            <a:ext cx="938911" cy="369332"/>
           </a:xfrm>
           <a:prstGeom prst="rect">
             <a:avLst/>
@@ -4662,7 +4660,7 @@
           <a:p>
             <a:r>
               <a:rPr lang="en-US" i="1" dirty="0" smtClean="0"/>
-              <a:t>{x=x≥0}</a:t>
+              <a:t>{x=x’≥0}</a:t>
             </a:r>
             <a:endParaRPr lang="en-US" i="1" dirty="0"/>
           </a:p>
@@ -4677,7 +4675,7 @@
         <p:spPr>
           <a:xfrm>
             <a:off x="2209800" y="2269867"/>
-            <a:ext cx="1545616" cy="369332"/>
+            <a:ext cx="1596912" cy="369332"/>
           </a:xfrm>
           <a:prstGeom prst="rect">
             <a:avLst/>
@@ -4692,7 +4690,7 @@
           <a:p>
             <a:r>
               <a:rPr lang="en-US" i="1" dirty="0" smtClean="0"/>
-              <a:t>{x=x≥0, </a:t>
+              <a:t>{x=x’≥0, </a:t>
             </a:r>
             <a:r>
               <a:rPr lang="en-US" i="1" dirty="0" err="1" smtClean="0"/>
@@ -4715,7 +4713,7 @@
         <p:spPr>
           <a:xfrm>
             <a:off x="1758395" y="3230691"/>
-            <a:ext cx="1545616" cy="369332"/>
+            <a:ext cx="1596912" cy="369332"/>
           </a:xfrm>
           <a:prstGeom prst="rect">
             <a:avLst/>
@@ -4730,7 +4728,7 @@
           <a:p>
             <a:r>
               <a:rPr lang="en-US" i="1" dirty="0" smtClean="0"/>
-              <a:t>{x=x≥0, </a:t>
+              <a:t>{x=x’≥0, </a:t>
             </a:r>
             <a:r>
               <a:rPr lang="en-US" i="1" dirty="0" err="1" smtClean="0"/>
@@ -4752,8 +4750,8 @@
         </p:nvSpPr>
         <p:spPr>
           <a:xfrm>
-            <a:off x="2878623" y="5678269"/>
-            <a:ext cx="2379177" cy="646331"/>
+            <a:off x="2852975" y="5678269"/>
+            <a:ext cx="2430474" cy="677108"/>
           </a:xfrm>
           <a:prstGeom prst="rect">
             <a:avLst/>
@@ -4768,11 +4766,13 @@
           <a:p>
             <a:pPr algn="ctr"/>
             <a:r>
-              <a:rPr lang="en-US" b="1" dirty="0" smtClean="0"/>
-              <a:t>S</a:t>
-            </a:r>
-            <a:r>
-              <a:rPr lang="en-US" b="1" baseline="-25000" dirty="0" smtClean="0"/>
+              <a:rPr lang="en-US" sz="2000" b="1" dirty="0" smtClean="0">
+                <a:sym typeface="Math A"/>
+              </a:rPr>
+              <a:t></a:t>
+            </a:r>
+            <a:r>
+              <a:rPr lang="en-US" sz="2000" b="1" baseline="-25000" dirty="0" smtClean="0"/>
               <a:t>2</a:t>
             </a:r>
             <a:endParaRPr lang="en-US" i="1" dirty="0" smtClean="0"/>
@@ -4780,7 +4780,7 @@
           <a:p>
             <a:r>
               <a:rPr lang="en-US" i="1" dirty="0" smtClean="0"/>
-              <a:t>{x=x=0, </a:t>
+              <a:t>{x=x’=0, </a:t>
             </a:r>
             <a:r>
               <a:rPr lang="en-US" i="1" dirty="0" err="1" smtClean="0"/>
@@ -4810,8 +4810,8 @@
         </p:nvSpPr>
         <p:spPr>
           <a:xfrm>
-            <a:off x="820249" y="5678269"/>
-            <a:ext cx="2151551" cy="646331"/>
+            <a:off x="794601" y="5678269"/>
+            <a:ext cx="2202847" cy="677108"/>
           </a:xfrm>
           <a:prstGeom prst="rect">
             <a:avLst/>
@@ -4826,24 +4826,25 @@
           <a:p>
             <a:pPr algn="ctr"/>
             <a:r>
-              <a:rPr lang="en-US" b="1" dirty="0"/>
-              <a:t>S</a:t>
-            </a:r>
-            <a:r>
-              <a:rPr lang="en-US" b="1" baseline="-25000" dirty="0"/>
-              <a:t>1</a:t>
-            </a:r>
-            <a:r>
-              <a:rPr lang="en-US" i="1" dirty="0"/>
+              <a:rPr lang="en-US" sz="2000" b="1" dirty="0" smtClean="0">
+                <a:sym typeface="Math A"/>
+              </a:rPr>
+              <a:t></a:t>
+            </a:r>
+            <a:r>
+              <a:rPr lang="en-US" sz="2000" b="1" baseline="-25000" dirty="0" smtClean="0"/>
+              <a:t>3</a:t>
+            </a:r>
+            <a:r>
+              <a:rPr lang="en-US" i="1" dirty="0" smtClean="0"/>
               <a:t> </a:t>
             </a:r>
-            <a:endParaRPr lang="en-US" i="1" dirty="0" smtClean="0"/>
           </a:p>
           <a:p>
             <a:pPr algn="ctr"/>
             <a:r>
               <a:rPr lang="en-US" i="1" dirty="0" smtClean="0"/>
-              <a:t>{x=x&gt;0, </a:t>
+              <a:t>{x=x’&gt;0, </a:t>
             </a:r>
             <a:r>
               <a:rPr lang="en-US" i="1" dirty="0" err="1" smtClean="0"/>
@@ -4867,14 +4868,14 @@
       </p:sp>
       <p:sp>
         <p:nvSpPr>
-          <p:cNvPr id="56" name="TextBox 55"/>
+          <p:cNvPr id="2" name="TextBox 1"/>
           <p:cNvSpPr txBox="1"/>
           <p:nvPr/>
         </p:nvSpPr>
         <p:spPr>
           <a:xfrm>
-            <a:off x="5223578" y="3238541"/>
-            <a:ext cx="404278" cy="461665"/>
+            <a:off x="4458028" y="3469373"/>
+            <a:ext cx="352982" cy="461665"/>
           </a:xfrm>
           <a:prstGeom prst="rect">
             <a:avLst/>
@@ -4889,24 +4890,24 @@
           <a:p>
             <a:r>
               <a:rPr lang="en-US" sz="2400" b="1" dirty="0" smtClean="0">
-                <a:sym typeface="Zed"/>
+                <a:sym typeface="Math B"/>
               </a:rPr>
-              <a:t></a:t>
-            </a:r>
-            <a:endParaRPr lang="en-US" b="1" dirty="0"/>
-          </a:p>
-        </p:txBody>
-      </p:sp>
-      <p:sp>
-        <p:nvSpPr>
-          <p:cNvPr id="57" name="TextBox 56"/>
+              <a:t></a:t>
+            </a:r>
+            <a:endParaRPr lang="en-US" sz="2400" b="1" dirty="0"/>
+          </a:p>
+        </p:txBody>
+      </p:sp>
+      <p:sp>
+        <p:nvSpPr>
+          <p:cNvPr id="60" name="TextBox 59"/>
           <p:cNvSpPr txBox="1"/>
           <p:nvPr/>
         </p:nvSpPr>
         <p:spPr>
           <a:xfrm>
-            <a:off x="6365001" y="5558135"/>
-            <a:ext cx="404278" cy="461665"/>
+            <a:off x="6047818" y="4876800"/>
+            <a:ext cx="352982" cy="461665"/>
           </a:xfrm>
           <a:prstGeom prst="rect">
             <a:avLst/>
@@ -4921,24 +4922,24 @@
           <a:p>
             <a:r>
               <a:rPr lang="en-US" sz="2400" b="1" dirty="0" smtClean="0">
-                <a:sym typeface="Zed"/>
+                <a:sym typeface="Math B"/>
               </a:rPr>
-              <a:t></a:t>
-            </a:r>
-            <a:endParaRPr lang="en-US" b="1" dirty="0"/>
-          </a:p>
-        </p:txBody>
-      </p:sp>
-      <p:sp>
-        <p:nvSpPr>
-          <p:cNvPr id="58" name="TextBox 57"/>
+              <a:t></a:t>
+            </a:r>
+            <a:endParaRPr lang="en-US" sz="2400" b="1" dirty="0"/>
+          </a:p>
+        </p:txBody>
+      </p:sp>
+      <p:sp>
+        <p:nvSpPr>
+          <p:cNvPr id="68" name="TextBox 67"/>
           <p:cNvSpPr txBox="1"/>
           <p:nvPr/>
         </p:nvSpPr>
         <p:spPr>
           <a:xfrm>
-            <a:off x="4912045" y="5539769"/>
-            <a:ext cx="404278" cy="461665"/>
+            <a:off x="4437544" y="4876800"/>
+            <a:ext cx="352982" cy="461665"/>
           </a:xfrm>
           <a:prstGeom prst="rect">
             <a:avLst/>
@@ -4953,24 +4954,24 @@
           <a:p>
             <a:r>
               <a:rPr lang="en-US" sz="2400" b="1" dirty="0" smtClean="0">
-                <a:sym typeface="Zed"/>
+                <a:sym typeface="Math B"/>
               </a:rPr>
-              <a:t></a:t>
-            </a:r>
-            <a:endParaRPr lang="en-US" b="1" dirty="0"/>
-          </a:p>
-        </p:txBody>
-      </p:sp>
-      <p:sp>
-        <p:nvSpPr>
-          <p:cNvPr id="59" name="TextBox 58"/>
+              <a:t></a:t>
+            </a:r>
+            <a:endParaRPr lang="en-US" sz="2400" b="1" dirty="0"/>
+          </a:p>
+        </p:txBody>
+      </p:sp>
+      <p:sp>
+        <p:nvSpPr>
+          <p:cNvPr id="83" name="TextBox 82"/>
           <p:cNvSpPr txBox="1"/>
           <p:nvPr/>
         </p:nvSpPr>
         <p:spPr>
           <a:xfrm>
-            <a:off x="4498160" y="3243130"/>
-            <a:ext cx="404278" cy="461665"/>
+            <a:off x="5257800" y="3469373"/>
+            <a:ext cx="352982" cy="461665"/>
           </a:xfrm>
           <a:prstGeom prst="rect">
             <a:avLst/>
@@ -4985,11 +4986,11 @@
           <a:p>
             <a:r>
               <a:rPr lang="en-US" sz="2400" b="1" dirty="0" smtClean="0">
-                <a:sym typeface="Zed"/>
+                <a:sym typeface="Math B"/>
               </a:rPr>
-              <a:t></a:t>
-            </a:r>
-            <a:endParaRPr lang="en-US" b="1" dirty="0"/>
+              <a:t></a:t>
+            </a:r>
+            <a:endParaRPr lang="en-US" sz="2400" b="1" dirty="0"/>
           </a:p>
         </p:txBody>
       </p:sp>

--- a/Doc/figures/sign-graph-joint.pptx
+++ b/Doc/figures/sign-graph-joint.pptx
@@ -4468,8 +4468,8 @@
         </p:nvSpPr>
         <p:spPr>
           <a:xfrm>
-            <a:off x="6148411" y="4421252"/>
-            <a:ext cx="2919389" cy="400110"/>
+            <a:off x="6248400" y="4168914"/>
+            <a:ext cx="2496196" cy="707886"/>
           </a:xfrm>
           <a:prstGeom prst="rect">
             <a:avLst/>
@@ -4482,6 +4482,7 @@
           </a:bodyPr>
           <a:lstStyle/>
           <a:p>
+            <a:pPr algn="ctr"/>
             <a:r>
               <a:rPr lang="en-US" sz="2000" b="1" dirty="0" smtClean="0">
                 <a:sym typeface="Math A"/>
@@ -4494,25 +4495,42 @@
             </a:r>
             <a:r>
               <a:rPr lang="en-US" sz="2000" i="1" dirty="0" smtClean="0"/>
-              <a:t> = {x=x’&lt;0,sgn= </a:t>
-            </a:r>
-            <a:r>
-              <a:rPr lang="en-US" sz="2000" i="1" dirty="0" err="1" smtClean="0"/>
+              <a:t> </a:t>
+            </a:r>
+            <a:endParaRPr lang="en-US" sz="2000" i="1" dirty="0" smtClean="0"/>
+          </a:p>
+          <a:p>
+            <a:r>
+              <a:rPr lang="en-US" sz="2000" dirty="0" smtClean="0"/>
+              <a:t>{</a:t>
+            </a:r>
+            <a:r>
+              <a:rPr lang="en-US" sz="2000" i="1" dirty="0"/>
+              <a:t>x &lt;0, </a:t>
+            </a:r>
+            <a:r>
+              <a:rPr lang="en-US" sz="2000" i="1" dirty="0" err="1"/>
               <a:t>sgn</a:t>
             </a:r>
             <a:r>
-              <a:rPr lang="en-US" sz="2000" i="1" dirty="0" smtClean="0"/>
-              <a:t>’=-</a:t>
-            </a:r>
-            <a:r>
               <a:rPr lang="en-US" sz="2000" i="1" dirty="0"/>
-              <a:t>1</a:t>
-            </a:r>
-            <a:r>
-              <a:rPr lang="en-US" sz="2000" i="1" dirty="0" smtClean="0"/>
+              <a:t> = -1,</a:t>
+            </a:r>
+            <a:r>
+              <a:rPr lang="en-US" sz="2000" dirty="0">
+                <a:sym typeface="Zed"/>
+              </a:rPr>
+              <a:t> </a:t>
+            </a:r>
+            <a:r>
+              <a:rPr lang="en-US" sz="2400" i="1" baseline="-25000" dirty="0" err="1" smtClean="0"/>
+              <a:t>x,sgn</a:t>
+            </a:r>
+            <a:r>
+              <a:rPr lang="en-US" sz="2000" dirty="0" smtClean="0"/>
               <a:t>}</a:t>
             </a:r>
-            <a:endParaRPr lang="en-US" sz="2000" i="1" dirty="0"/>
+            <a:endParaRPr lang="en-US" sz="2000" dirty="0"/>
           </a:p>
         </p:txBody>
       </p:sp>
@@ -4525,7 +4543,7 @@
         <p:spPr>
           <a:xfrm>
             <a:off x="4790526" y="350878"/>
-            <a:ext cx="706604" cy="369332"/>
+            <a:ext cx="580608" cy="379591"/>
           </a:xfrm>
           <a:prstGeom prst="rect">
             <a:avLst/>
@@ -4539,10 +4557,24 @@
           <a:lstStyle/>
           <a:p>
             <a:r>
-              <a:rPr lang="en-US" i="1" dirty="0" smtClean="0"/>
-              <a:t>{x=x’}</a:t>
-            </a:r>
-            <a:endParaRPr lang="en-US" i="1" dirty="0"/>
+              <a:rPr lang="en-US" dirty="0" smtClean="0"/>
+              <a:t>{</a:t>
+            </a:r>
+            <a:r>
+              <a:rPr lang="en-US" dirty="0" smtClean="0">
+                <a:sym typeface="Zed"/>
+              </a:rPr>
+              <a:t></a:t>
+            </a:r>
+            <a:r>
+              <a:rPr lang="en-US" sz="2400" i="1" baseline="-25000" dirty="0" smtClean="0"/>
+              <a:t>x</a:t>
+            </a:r>
+            <a:r>
+              <a:rPr lang="en-US" dirty="0" smtClean="0"/>
+              <a:t>}</a:t>
+            </a:r>
+            <a:endParaRPr lang="en-US" dirty="0"/>
           </a:p>
         </p:txBody>
       </p:sp>
@@ -4555,7 +4587,7 @@
         <p:spPr>
           <a:xfrm>
             <a:off x="6008535" y="1322814"/>
-            <a:ext cx="938911" cy="369332"/>
+            <a:ext cx="1059906" cy="369332"/>
           </a:xfrm>
           <a:prstGeom prst="rect">
             <a:avLst/>
@@ -4569,10 +4601,32 @@
           <a:lstStyle/>
           <a:p>
             <a:r>
+              <a:rPr lang="en-US" dirty="0" smtClean="0"/>
+              <a:t>{</a:t>
+            </a:r>
+            <a:r>
+              <a:rPr lang="en-US" i="1" dirty="0"/>
+              <a:t>x &lt;0 </a:t>
+            </a:r>
+            <a:r>
               <a:rPr lang="en-US" i="1" dirty="0" smtClean="0"/>
-              <a:t>{x=x’&lt;0}</a:t>
-            </a:r>
-            <a:endParaRPr lang="en-US" i="1" dirty="0"/>
+              <a:t>,</a:t>
+            </a:r>
+            <a:r>
+              <a:rPr lang="en-US" dirty="0" smtClean="0">
+                <a:sym typeface="Zed"/>
+              </a:rPr>
+              <a:t></a:t>
+            </a:r>
+            <a:r>
+              <a:rPr lang="en-US" sz="2400" i="1" baseline="-25000" dirty="0" smtClean="0"/>
+              <a:t>x</a:t>
+            </a:r>
+            <a:r>
+              <a:rPr lang="en-US" dirty="0" smtClean="0"/>
+              <a:t>}</a:t>
+            </a:r>
+            <a:endParaRPr lang="en-US" dirty="0"/>
           </a:p>
         </p:txBody>
       </p:sp>
@@ -4585,7 +4639,7 @@
         <p:spPr>
           <a:xfrm>
             <a:off x="6324600" y="2209800"/>
-            <a:ext cx="1614545" cy="369332"/>
+            <a:ext cx="1906291" cy="369332"/>
           </a:xfrm>
           <a:prstGeom prst="rect">
             <a:avLst/>
@@ -4599,10 +4653,44 @@
           <a:lstStyle/>
           <a:p>
             <a:r>
+              <a:rPr lang="en-US" dirty="0" smtClean="0"/>
+              <a:t>{</a:t>
+            </a:r>
+            <a:r>
               <a:rPr lang="en-US" i="1" dirty="0" smtClean="0"/>
-              <a:t>{x=x’&lt;0,sgn=-1}</a:t>
-            </a:r>
-            <a:endParaRPr lang="en-US" i="1" dirty="0"/>
+              <a:t>x </a:t>
+            </a:r>
+            <a:r>
+              <a:rPr lang="en-US" i="1" dirty="0"/>
+              <a:t>&lt;</a:t>
+            </a:r>
+            <a:r>
+              <a:rPr lang="en-US" i="1" dirty="0" smtClean="0"/>
+              <a:t>0, </a:t>
+            </a:r>
+            <a:r>
+              <a:rPr lang="en-US" i="1" dirty="0" err="1" smtClean="0"/>
+              <a:t>sgn</a:t>
+            </a:r>
+            <a:r>
+              <a:rPr lang="en-US" i="1" dirty="0" smtClean="0"/>
+              <a:t> = -1,</a:t>
+            </a:r>
+            <a:r>
+              <a:rPr lang="en-US" dirty="0">
+                <a:sym typeface="Zed"/>
+              </a:rPr>
+              <a:t> </a:t>
+            </a:r>
+            <a:r>
+              <a:rPr lang="en-US" sz="2400" i="1" baseline="-25000" dirty="0"/>
+              <a:t>x</a:t>
+            </a:r>
+            <a:r>
+              <a:rPr lang="en-US" dirty="0" smtClean="0"/>
+              <a:t>}</a:t>
+            </a:r>
+            <a:endParaRPr lang="en-US" dirty="0"/>
           </a:p>
         </p:txBody>
       </p:sp>
@@ -4615,7 +4703,7 @@
         <p:spPr>
           <a:xfrm>
             <a:off x="6781800" y="3198128"/>
-            <a:ext cx="1614545" cy="369332"/>
+            <a:ext cx="1906291" cy="369332"/>
           </a:xfrm>
           <a:prstGeom prst="rect">
             <a:avLst/>
@@ -4629,10 +4717,36 @@
           <a:lstStyle/>
           <a:p>
             <a:r>
-              <a:rPr lang="en-US" i="1" dirty="0" smtClean="0"/>
-              <a:t>{x=x’&lt;0,sgn=-1}</a:t>
-            </a:r>
-            <a:endParaRPr lang="en-US" i="1" dirty="0"/>
+              <a:rPr lang="en-US" dirty="0"/>
+              <a:t>{</a:t>
+            </a:r>
+            <a:r>
+              <a:rPr lang="en-US" i="1" dirty="0"/>
+              <a:t>x &lt;0, </a:t>
+            </a:r>
+            <a:r>
+              <a:rPr lang="en-US" i="1" dirty="0" err="1"/>
+              <a:t>sgn</a:t>
+            </a:r>
+            <a:r>
+              <a:rPr lang="en-US" i="1" dirty="0"/>
+              <a:t> = -1,</a:t>
+            </a:r>
+            <a:r>
+              <a:rPr lang="en-US" dirty="0">
+                <a:sym typeface="Zed"/>
+              </a:rPr>
+              <a:t> </a:t>
+            </a:r>
+            <a:r>
+              <a:rPr lang="en-US" sz="2400" i="1" baseline="-25000" dirty="0"/>
+              <a:t>x</a:t>
+            </a:r>
+            <a:r>
+              <a:rPr lang="en-US" dirty="0"/>
+              <a:t>}</a:t>
+            </a:r>
+            <a:endParaRPr lang="en-US" dirty="0"/>
           </a:p>
         </p:txBody>
       </p:sp>
@@ -4645,7 +4759,7 @@
         <p:spPr>
           <a:xfrm>
             <a:off x="3198752" y="1322814"/>
-            <a:ext cx="938911" cy="369332"/>
+            <a:ext cx="1112805" cy="369332"/>
           </a:xfrm>
           <a:prstGeom prst="rect">
             <a:avLst/>
@@ -4659,10 +4773,36 @@
           <a:lstStyle/>
           <a:p>
             <a:r>
+              <a:rPr lang="en-US" dirty="0"/>
+              <a:t>{</a:t>
+            </a:r>
+            <a:r>
+              <a:rPr lang="en-US" i="1" dirty="0"/>
+              <a:t>x ≥ </a:t>
+            </a:r>
+            <a:r>
               <a:rPr lang="en-US" i="1" dirty="0" smtClean="0"/>
-              <a:t>{x=x’≥0}</a:t>
-            </a:r>
-            <a:endParaRPr lang="en-US" i="1" dirty="0"/>
+              <a:t>0 </a:t>
+            </a:r>
+            <a:r>
+              <a:rPr lang="en-US" i="1" dirty="0"/>
+              <a:t>,</a:t>
+            </a:r>
+            <a:r>
+              <a:rPr lang="en-US" dirty="0">
+                <a:sym typeface="Zed"/>
+              </a:rPr>
+              <a:t></a:t>
+            </a:r>
+            <a:r>
+              <a:rPr lang="en-US" sz="2400" i="1" baseline="-25000" dirty="0"/>
+              <a:t>x</a:t>
+            </a:r>
+            <a:r>
+              <a:rPr lang="en-US" dirty="0" smtClean="0"/>
+              <a:t>}</a:t>
+            </a:r>
+            <a:endParaRPr lang="en-US" dirty="0"/>
           </a:p>
         </p:txBody>
       </p:sp>
@@ -4674,8 +4814,8 @@
         </p:nvSpPr>
         <p:spPr>
           <a:xfrm>
-            <a:off x="2209800" y="2269867"/>
-            <a:ext cx="1596912" cy="369332"/>
+            <a:off x="1927639" y="2268416"/>
+            <a:ext cx="1729961" cy="369332"/>
           </a:xfrm>
           <a:prstGeom prst="rect">
             <a:avLst/>
@@ -4689,8 +4829,16 @@
           <a:lstStyle/>
           <a:p>
             <a:r>
+              <a:rPr lang="en-US" dirty="0"/>
+              <a:t>{</a:t>
+            </a:r>
+            <a:r>
+              <a:rPr lang="en-US" i="1" dirty="0"/>
+              <a:t>x ≥ 0 </a:t>
+            </a:r>
+            <a:r>
               <a:rPr lang="en-US" i="1" dirty="0" smtClean="0"/>
-              <a:t>{x=x’≥0, </a:t>
+              <a:t>,</a:t>
             </a:r>
             <a:r>
               <a:rPr lang="en-US" i="1" dirty="0" err="1" smtClean="0"/>
@@ -4698,9 +4846,23 @@
             </a:r>
             <a:r>
               <a:rPr lang="en-US" i="1" dirty="0" smtClean="0"/>
-              <a:t>=1}</a:t>
-            </a:r>
-            <a:endParaRPr lang="en-US" i="1" dirty="0"/>
+              <a:t>=1,</a:t>
+            </a:r>
+            <a:r>
+              <a:rPr lang="en-US" dirty="0" smtClean="0">
+                <a:sym typeface="Zed"/>
+              </a:rPr>
+              <a:t></a:t>
+            </a:r>
+            <a:r>
+              <a:rPr lang="en-US" sz="2400" i="1" baseline="-25000" dirty="0"/>
+              <a:t>x</a:t>
+            </a:r>
+            <a:r>
+              <a:rPr lang="en-US" dirty="0"/>
+              <a:t>}</a:t>
+            </a:r>
+            <a:endParaRPr lang="en-US" dirty="0"/>
           </a:p>
         </p:txBody>
       </p:sp>
@@ -4712,8 +4874,8 @@
         </p:nvSpPr>
         <p:spPr>
           <a:xfrm>
-            <a:off x="1758395" y="3230691"/>
-            <a:ext cx="1596912" cy="369332"/>
+            <a:off x="1524000" y="3440668"/>
+            <a:ext cx="1729961" cy="369332"/>
           </a:xfrm>
           <a:prstGeom prst="rect">
             <a:avLst/>
@@ -4727,18 +4889,36 @@
           <a:lstStyle/>
           <a:p>
             <a:r>
-              <a:rPr lang="en-US" i="1" dirty="0" smtClean="0"/>
-              <a:t>{x=x’≥0, </a:t>
-            </a:r>
-            <a:r>
-              <a:rPr lang="en-US" i="1" dirty="0" err="1" smtClean="0"/>
+              <a:rPr lang="en-US" dirty="0"/>
+              <a:t>{</a:t>
+            </a:r>
+            <a:r>
+              <a:rPr lang="en-US" i="1" dirty="0"/>
+              <a:t>x ≥ 0 ,</a:t>
+            </a:r>
+            <a:r>
+              <a:rPr lang="en-US" i="1" dirty="0" err="1"/>
               <a:t>sgn</a:t>
             </a:r>
             <a:r>
-              <a:rPr lang="en-US" i="1" dirty="0" smtClean="0"/>
-              <a:t>=1}</a:t>
-            </a:r>
-            <a:endParaRPr lang="en-US" i="1" dirty="0"/>
+              <a:rPr lang="en-US" i="1" dirty="0"/>
+              <a:t>=1,</a:t>
+            </a:r>
+            <a:r>
+              <a:rPr lang="en-US" dirty="0">
+                <a:sym typeface="Zed"/>
+              </a:rPr>
+              <a:t></a:t>
+            </a:r>
+            <a:r>
+              <a:rPr lang="en-US" sz="2400" i="1" baseline="-25000" dirty="0"/>
+              <a:t>x</a:t>
+            </a:r>
+            <a:r>
+              <a:rPr lang="en-US" dirty="0"/>
+              <a:t>}</a:t>
+            </a:r>
+            <a:endParaRPr lang="en-US" dirty="0"/>
           </a:p>
         </p:txBody>
       </p:sp>
@@ -4750,8 +4930,8 @@
         </p:nvSpPr>
         <p:spPr>
           <a:xfrm>
-            <a:off x="2852975" y="5678269"/>
-            <a:ext cx="2430474" cy="677108"/>
+            <a:off x="2829788" y="5638800"/>
+            <a:ext cx="2504212" cy="677108"/>
           </a:xfrm>
           <a:prstGeom prst="rect">
             <a:avLst/>
@@ -4779,8 +4959,36 @@
           </a:p>
           <a:p>
             <a:r>
+              <a:rPr lang="en-US" dirty="0"/>
+              <a:t>{</a:t>
+            </a:r>
+            <a:r>
+              <a:rPr lang="en-US" i="1" dirty="0"/>
+              <a:t>x </a:t>
+            </a:r>
+            <a:r>
               <a:rPr lang="en-US" i="1" dirty="0" smtClean="0"/>
-              <a:t>{x=x’=0, </a:t>
+              <a:t>= </a:t>
+            </a:r>
+            <a:r>
+              <a:rPr lang="en-US" i="1" dirty="0"/>
+              <a:t>0 ,</a:t>
+            </a:r>
+            <a:r>
+              <a:rPr lang="en-US" i="1" dirty="0" err="1"/>
+              <a:t>sgn</a:t>
+            </a:r>
+            <a:r>
+              <a:rPr lang="en-US" i="1" dirty="0"/>
+              <a:t>=1</a:t>
+            </a:r>
+            <a:r>
+              <a:rPr lang="en-US" i="1" dirty="0" smtClean="0"/>
+              <a:t>,</a:t>
+            </a:r>
+            <a:r>
+              <a:rPr lang="en-US" i="1" dirty="0"/>
+              <a:t> </a:t>
             </a:r>
             <a:r>
               <a:rPr lang="en-US" i="1" dirty="0" err="1" smtClean="0"/>
@@ -4788,17 +4996,23 @@
             </a:r>
             <a:r>
               <a:rPr lang="en-US" i="1" dirty="0" smtClean="0"/>
-              <a:t>’ = 0, </a:t>
-            </a:r>
-            <a:r>
-              <a:rPr lang="en-US" i="1" dirty="0" err="1" smtClean="0"/>
-              <a:t>sgn</a:t>
-            </a:r>
-            <a:r>
-              <a:rPr lang="en-US" i="1" dirty="0" smtClean="0"/>
-              <a:t>=1}</a:t>
-            </a:r>
-            <a:endParaRPr lang="en-US" i="1" dirty="0"/>
+              <a:t>’=0 ,</a:t>
+            </a:r>
+            <a:r>
+              <a:rPr lang="en-US" dirty="0" smtClean="0">
+                <a:sym typeface="Zed"/>
+              </a:rPr>
+              <a:t></a:t>
+            </a:r>
+            <a:r>
+              <a:rPr lang="en-US" sz="2400" i="1" baseline="-25000" dirty="0"/>
+              <a:t>x</a:t>
+            </a:r>
+            <a:r>
+              <a:rPr lang="en-US" dirty="0"/>
+              <a:t>}</a:t>
+            </a:r>
+            <a:endParaRPr lang="en-US" dirty="0"/>
           </a:p>
         </p:txBody>
       </p:sp>
@@ -4810,8 +5024,8 @@
         </p:nvSpPr>
         <p:spPr>
           <a:xfrm>
-            <a:off x="794601" y="5678269"/>
-            <a:ext cx="2202847" cy="677108"/>
+            <a:off x="898797" y="5638800"/>
+            <a:ext cx="2073003" cy="677108"/>
           </a:xfrm>
           <a:prstGeom prst="rect">
             <a:avLst/>
@@ -4841,28 +5055,37 @@
             </a:r>
           </a:p>
           <a:p>
-            <a:pPr algn="ctr"/>
-            <a:r>
-              <a:rPr lang="en-US" i="1" dirty="0" smtClean="0"/>
-              <a:t>{x=x’&gt;0, </a:t>
-            </a:r>
-            <a:r>
-              <a:rPr lang="en-US" i="1" dirty="0" err="1" smtClean="0"/>
+            <a:r>
+              <a:rPr lang="en-US" dirty="0"/>
+              <a:t>{</a:t>
+            </a:r>
+            <a:r>
+              <a:rPr lang="en-US" i="1" dirty="0"/>
+              <a:t>x ≥ 0 ,</a:t>
+            </a:r>
+            <a:r>
+              <a:rPr lang="en-US" i="1" dirty="0" err="1"/>
               <a:t>sgn</a:t>
             </a:r>
             <a:r>
-              <a:rPr lang="en-US" i="1" dirty="0" smtClean="0"/>
-              <a:t>’ = </a:t>
-            </a:r>
-            <a:r>
-              <a:rPr lang="en-US" i="1" dirty="0" err="1" smtClean="0"/>
-              <a:t>sgn</a:t>
-            </a:r>
-            <a:r>
-              <a:rPr lang="en-US" i="1" dirty="0" smtClean="0"/>
-              <a:t>=1}</a:t>
-            </a:r>
-            <a:endParaRPr lang="en-US" i="1" dirty="0"/>
+              <a:rPr lang="en-US" i="1" dirty="0"/>
+              <a:t>=1,</a:t>
+            </a:r>
+            <a:r>
+              <a:rPr lang="en-US" dirty="0">
+                <a:sym typeface="Zed"/>
+              </a:rPr>
+              <a:t></a:t>
+            </a:r>
+            <a:r>
+              <a:rPr lang="en-US" sz="2400" i="1" baseline="-25000" dirty="0" smtClean="0"/>
+              <a:t>x,sgn</a:t>
+            </a:r>
+            <a:r>
+              <a:rPr lang="en-US" dirty="0" smtClean="0"/>
+              <a:t>}</a:t>
+            </a:r>
+            <a:endParaRPr lang="en-US" dirty="0"/>
           </a:p>
         </p:txBody>
       </p:sp>
@@ -5004,6 +5227,13 @@
   <p:clrMapOvr>
     <a:masterClrMapping/>
   </p:clrMapOvr>
+  <p:timing>
+    <p:tnLst>
+      <p:par>
+        <p:cTn id="1" dur="indefinite" restart="never" nodeType="tmRoot"/>
+      </p:par>
+    </p:tnLst>
+  </p:timing>
 </p:sld>
 </file>
 
